--- a/src/_ppt/ch17.pptx
+++ b/src/_ppt/ch17.pptx
@@ -117,7 +117,7 @@
   </p:defaultTextStyle>
   <p:extLst>
     <p:ext uri="{EFAFB233-063F-42B5-8137-9DF3F51BA10A}">
-      <p15:sldGuideLst xmlns="" xmlns:p15="http://schemas.microsoft.com/office/powerpoint/2012/main">
+      <p15:sldGuideLst xmlns:p15="http://schemas.microsoft.com/office/powerpoint/2012/main" xmlns="">
         <p15:guide id="1" orient="horz" pos="2160">
           <p15:clr>
             <a:srgbClr val="A4A3A4"/>
@@ -131,7 +131,7 @@
       </p15:sldGuideLst>
     </p:ext>
     <p:ext uri="{2D200454-40CA-4A62-9FC3-DE9A4176ACB9}">
-      <p15:notesGuideLst xmlns="" xmlns:p15="http://schemas.microsoft.com/office/powerpoint/2012/main">
+      <p15:notesGuideLst xmlns:p15="http://schemas.microsoft.com/office/powerpoint/2012/main" xmlns="">
         <p15:guide id="1" orient="horz" pos="2880">
           <p15:clr>
             <a:srgbClr val="A4A3A4"/>
@@ -4526,7 +4526,7 @@
         </p:nvSpPr>
         <p:spPr>
           <a:xfrm>
-            <a:off x="612000" y="1233852"/>
+            <a:off x="612000" y="1124744"/>
             <a:ext cx="7920000" cy="4525963"/>
           </a:xfrm>
           <a:prstGeom prst="rect">
@@ -5266,11 +5266,19 @@
             </a:r>
             <a:r>
               <a:rPr lang="en-US" altLang="ko-KR" sz="1600" dirty="0"/>
-              <a:t>(callback)[1]</a:t>
+              <a:t>(callback</a:t>
+            </a:r>
+            <a:r>
+              <a:rPr lang="en-US" altLang="ko-KR" sz="1600" dirty="0" smtClean="0"/>
+              <a:t>)</a:t>
+            </a:r>
+            <a:r>
+              <a:rPr lang="ko-KR" altLang="en-US" sz="1600" dirty="0" smtClean="0"/>
+              <a:t>을 </a:t>
             </a:r>
             <a:r>
               <a:rPr lang="ko-KR" altLang="en-US" sz="1600" dirty="0"/>
-              <a:t>을 받는다</a:t>
+              <a:t>받는다</a:t>
             </a:r>
             <a:r>
               <a:rPr lang="en-US" altLang="ko-KR" sz="1600" dirty="0"/>
@@ -5384,7 +5392,6 @@
               <a:rPr lang="en-US" altLang="ko-KR" sz="1600" dirty="0"/>
               <a:t>. </a:t>
             </a:r>
-            <a:endParaRPr lang="en-US" altLang="ko-KR" sz="1600" dirty="0"/>
           </a:p>
         </p:txBody>
       </p:sp>
@@ -5473,13 +5480,7 @@
               <a:rPr lang="ko-KR" altLang="en-US" dirty="0" smtClean="0">
                 <a:ea typeface="나눔바른고딕" panose="020B0603020101020101" pitchFamily="50" charset="-127"/>
               </a:rPr>
-              <a:t>패턴 </a:t>
-            </a:r>
-            <a:r>
-              <a:rPr lang="ko-KR" altLang="en-US" dirty="0" smtClean="0">
-                <a:ea typeface="나눔바른고딕" panose="020B0603020101020101" pitchFamily="50" charset="-127"/>
-              </a:rPr>
-              <a:t>예제</a:t>
+              <a:t>패턴 예제</a:t>
             </a:r>
             <a:endParaRPr lang="ko-KR" altLang="en-US" dirty="0"/>
           </a:p>
